--- a/主題習題/EX6/Question.pptx
+++ b/主題習題/EX6/Question.pptx
@@ -244,7 +244,7 @@
           <a:p>
             <a:fld id="{5C0A0AE4-4948-4816-A155-A92CEE9CC46F}" type="datetimeFigureOut">
               <a:rPr lang="zh-TW" altLang="en-US" smtClean="0"/>
-              <a:t>2016/5/17</a:t>
+              <a:t>2018/5/31</a:t>
             </a:fld>
             <a:endParaRPr lang="zh-TW" altLang="en-US"/>
           </a:p>
@@ -414,7 +414,7 @@
           <a:p>
             <a:fld id="{5C0A0AE4-4948-4816-A155-A92CEE9CC46F}" type="datetimeFigureOut">
               <a:rPr lang="zh-TW" altLang="en-US" smtClean="0"/>
-              <a:t>2016/5/17</a:t>
+              <a:t>2018/5/31</a:t>
             </a:fld>
             <a:endParaRPr lang="zh-TW" altLang="en-US"/>
           </a:p>
@@ -594,7 +594,7 @@
           <a:p>
             <a:fld id="{5C0A0AE4-4948-4816-A155-A92CEE9CC46F}" type="datetimeFigureOut">
               <a:rPr lang="zh-TW" altLang="en-US" smtClean="0"/>
-              <a:t>2016/5/17</a:t>
+              <a:t>2018/5/31</a:t>
             </a:fld>
             <a:endParaRPr lang="zh-TW" altLang="en-US"/>
           </a:p>
@@ -764,7 +764,7 @@
           <a:p>
             <a:fld id="{5C0A0AE4-4948-4816-A155-A92CEE9CC46F}" type="datetimeFigureOut">
               <a:rPr lang="zh-TW" altLang="en-US" smtClean="0"/>
-              <a:t>2016/5/17</a:t>
+              <a:t>2018/5/31</a:t>
             </a:fld>
             <a:endParaRPr lang="zh-TW" altLang="en-US"/>
           </a:p>
@@ -1010,7 +1010,7 @@
           <a:p>
             <a:fld id="{5C0A0AE4-4948-4816-A155-A92CEE9CC46F}" type="datetimeFigureOut">
               <a:rPr lang="zh-TW" altLang="en-US" smtClean="0"/>
-              <a:t>2016/5/17</a:t>
+              <a:t>2018/5/31</a:t>
             </a:fld>
             <a:endParaRPr lang="zh-TW" altLang="en-US"/>
           </a:p>
@@ -1242,7 +1242,7 @@
           <a:p>
             <a:fld id="{5C0A0AE4-4948-4816-A155-A92CEE9CC46F}" type="datetimeFigureOut">
               <a:rPr lang="zh-TW" altLang="en-US" smtClean="0"/>
-              <a:t>2016/5/17</a:t>
+              <a:t>2018/5/31</a:t>
             </a:fld>
             <a:endParaRPr lang="zh-TW" altLang="en-US"/>
           </a:p>
@@ -1609,7 +1609,7 @@
           <a:p>
             <a:fld id="{5C0A0AE4-4948-4816-A155-A92CEE9CC46F}" type="datetimeFigureOut">
               <a:rPr lang="zh-TW" altLang="en-US" smtClean="0"/>
-              <a:t>2016/5/17</a:t>
+              <a:t>2018/5/31</a:t>
             </a:fld>
             <a:endParaRPr lang="zh-TW" altLang="en-US"/>
           </a:p>
@@ -1727,7 +1727,7 @@
           <a:p>
             <a:fld id="{5C0A0AE4-4948-4816-A155-A92CEE9CC46F}" type="datetimeFigureOut">
               <a:rPr lang="zh-TW" altLang="en-US" smtClean="0"/>
-              <a:t>2016/5/17</a:t>
+              <a:t>2018/5/31</a:t>
             </a:fld>
             <a:endParaRPr lang="zh-TW" altLang="en-US"/>
           </a:p>
@@ -1822,7 +1822,7 @@
           <a:p>
             <a:fld id="{5C0A0AE4-4948-4816-A155-A92CEE9CC46F}" type="datetimeFigureOut">
               <a:rPr lang="zh-TW" altLang="en-US" smtClean="0"/>
-              <a:t>2016/5/17</a:t>
+              <a:t>2018/5/31</a:t>
             </a:fld>
             <a:endParaRPr lang="zh-TW" altLang="en-US"/>
           </a:p>
@@ -2099,7 +2099,7 @@
           <a:p>
             <a:fld id="{5C0A0AE4-4948-4816-A155-A92CEE9CC46F}" type="datetimeFigureOut">
               <a:rPr lang="zh-TW" altLang="en-US" smtClean="0"/>
-              <a:t>2016/5/17</a:t>
+              <a:t>2018/5/31</a:t>
             </a:fld>
             <a:endParaRPr lang="zh-TW" altLang="en-US"/>
           </a:p>
@@ -2352,7 +2352,7 @@
           <a:p>
             <a:fld id="{5C0A0AE4-4948-4816-A155-A92CEE9CC46F}" type="datetimeFigureOut">
               <a:rPr lang="zh-TW" altLang="en-US" smtClean="0"/>
-              <a:t>2016/5/17</a:t>
+              <a:t>2018/5/31</a:t>
             </a:fld>
             <a:endParaRPr lang="zh-TW" altLang="en-US"/>
           </a:p>
@@ -2565,7 +2565,7 @@
           <a:p>
             <a:fld id="{5C0A0AE4-4948-4816-A155-A92CEE9CC46F}" type="datetimeFigureOut">
               <a:rPr lang="zh-TW" altLang="en-US" smtClean="0"/>
-              <a:t>2016/5/17</a:t>
+              <a:t>2018/5/31</a:t>
             </a:fld>
             <a:endParaRPr lang="zh-TW" altLang="en-US"/>
           </a:p>
@@ -3140,7 +3140,7 @@
           <a:p>
             <a:r>
               <a:rPr lang="en-US" altLang="zh-TW" dirty="0" smtClean="0"/>
-              <a:t>Ex6: max 8 queens</a:t>
+              <a:t>Ex6: max and min 8 queens</a:t>
             </a:r>
             <a:endParaRPr lang="zh-TW" altLang="en-US" dirty="0"/>
           </a:p>
@@ -3156,9 +3156,16 @@
             <p:ph idx="1"/>
           </p:nvPr>
         </p:nvSpPr>
-        <p:spPr/>
-        <p:txBody>
-          <a:bodyPr/>
+        <p:spPr>
+          <a:xfrm>
+            <a:off x="838200" y="1429789"/>
+            <a:ext cx="10515600" cy="4747174"/>
+          </a:xfrm>
+        </p:spPr>
+        <p:txBody>
+          <a:bodyPr>
+            <a:normAutofit/>
+          </a:bodyPr>
           <a:lstStyle/>
           <a:p>
             <a:r>
@@ -3179,119 +3186,221 @@
             </a:r>
             <a:r>
               <a:rPr lang="zh-TW" altLang="en-US" dirty="0" smtClean="0"/>
-              <a:t>表示佔此位置可得分數，計算放置</a:t>
-            </a:r>
+              <a:t>表示</a:t>
+            </a:r>
+            <a:r>
+              <a:rPr lang="en-US" altLang="zh-TW" dirty="0" smtClean="0"/>
+              <a:t>cost</a:t>
+            </a:r>
+            <a:r>
+              <a:rPr lang="zh-TW" altLang="en-US" dirty="0" smtClean="0"/>
+              <a:t>，計算放</a:t>
+            </a:r>
+            <a:r>
+              <a:rPr lang="en-US" altLang="zh-TW" dirty="0" smtClean="0"/>
+              <a:t>N queen</a:t>
+            </a:r>
+            <a:r>
+              <a:rPr lang="zh-TW" altLang="en-US" dirty="0" smtClean="0"/>
+              <a:t>的</a:t>
+            </a:r>
+            <a:r>
+              <a:rPr lang="en-US" altLang="zh-TW" dirty="0" smtClean="0"/>
+              <a:t>maximum and minimum costs</a:t>
+            </a:r>
+          </a:p>
+          <a:p>
+            <a:r>
+              <a:rPr lang="zh-TW" altLang="en-US" dirty="0"/>
+              <a:t>基本</a:t>
+            </a:r>
+            <a:r>
+              <a:rPr lang="zh-TW" altLang="en-US" dirty="0" smtClean="0"/>
+              <a:t>要求</a:t>
+            </a:r>
+            <a:endParaRPr lang="en-US" altLang="zh-TW" dirty="0" smtClean="0"/>
+          </a:p>
+          <a:p>
+            <a:pPr lvl="1"/>
+            <a:r>
+              <a:rPr lang="zh-TW" altLang="en-US" dirty="0" smtClean="0"/>
+              <a:t>遞迴</a:t>
+            </a:r>
+            <a:endParaRPr lang="en-US" altLang="zh-TW" dirty="0" smtClean="0"/>
+          </a:p>
+          <a:p>
+            <a:pPr lvl="1"/>
+            <a:r>
+              <a:rPr lang="zh-TW" altLang="en-US" dirty="0" smtClean="0"/>
+              <a:t>可</a:t>
+            </a:r>
+            <a:r>
+              <a:rPr lang="zh-TW" altLang="en-US" dirty="0" smtClean="0"/>
+              <a:t>由使用者</a:t>
+            </a:r>
+            <a:r>
+              <a:rPr lang="zh-TW" altLang="en-US" dirty="0" smtClean="0"/>
+              <a:t>輸入</a:t>
+            </a:r>
+            <a:r>
+              <a:rPr lang="en-US" altLang="zh-TW" dirty="0"/>
+              <a:t>N</a:t>
+            </a:r>
+            <a:endParaRPr lang="en-US" altLang="zh-TW" dirty="0" smtClean="0"/>
+          </a:p>
+          <a:p>
+            <a:pPr lvl="1"/>
             <a:r>
               <a:rPr lang="en-US" altLang="zh-TW" dirty="0" smtClean="0"/>
               <a:t>N</a:t>
             </a:r>
             <a:r>
+              <a:rPr lang="en-US" altLang="zh-TW" dirty="0" smtClean="0">
+                <a:latin typeface="Verdana" panose="020B0604030504040204" pitchFamily="34" charset="0"/>
+                <a:ea typeface="Verdana" panose="020B0604030504040204" pitchFamily="34" charset="0"/>
+              </a:rPr>
+              <a:t>≤10:50</a:t>
+            </a:r>
+            <a:r>
+              <a:rPr lang="zh-TW" altLang="en-US" dirty="0" smtClean="0">
+                <a:latin typeface="Verdana" panose="020B0604030504040204" pitchFamily="34" charset="0"/>
+                <a:ea typeface="Verdana" panose="020B0604030504040204" pitchFamily="34" charset="0"/>
+              </a:rPr>
+              <a:t>分</a:t>
+            </a:r>
+            <a:endParaRPr lang="en-US" altLang="zh-TW" dirty="0" smtClean="0">
+              <a:latin typeface="Verdana" panose="020B0604030504040204" pitchFamily="34" charset="0"/>
+              <a:ea typeface="Verdana" panose="020B0604030504040204" pitchFamily="34" charset="0"/>
+            </a:endParaRPr>
+          </a:p>
+          <a:p>
+            <a:pPr lvl="1"/>
+            <a:r>
+              <a:rPr lang="en-US" altLang="zh-TW" dirty="0"/>
+              <a:t>N</a:t>
+            </a:r>
+            <a:r>
+              <a:rPr lang="en-US" altLang="zh-TW" dirty="0">
+                <a:latin typeface="Verdana" panose="020B0604030504040204" pitchFamily="34" charset="0"/>
+                <a:ea typeface="Verdana" panose="020B0604030504040204" pitchFamily="34" charset="0"/>
+              </a:rPr>
+              <a:t>≤</a:t>
+            </a:r>
+            <a:r>
+              <a:rPr lang="en-US" altLang="zh-TW" dirty="0" smtClean="0">
+                <a:latin typeface="Verdana" panose="020B0604030504040204" pitchFamily="34" charset="0"/>
+                <a:ea typeface="Verdana" panose="020B0604030504040204" pitchFamily="34" charset="0"/>
+              </a:rPr>
+              <a:t>16(3</a:t>
+            </a:r>
+            <a:r>
+              <a:rPr lang="zh-TW" altLang="en-US" dirty="0" smtClean="0">
+                <a:latin typeface="Verdana" panose="020B0604030504040204" pitchFamily="34" charset="0"/>
+                <a:ea typeface="Verdana" panose="020B0604030504040204" pitchFamily="34" charset="0"/>
+              </a:rPr>
+              <a:t>秒內</a:t>
+            </a:r>
+            <a:r>
+              <a:rPr lang="en-US" altLang="zh-TW" dirty="0" smtClean="0">
+                <a:latin typeface="Verdana" panose="020B0604030504040204" pitchFamily="34" charset="0"/>
+                <a:ea typeface="Verdana" panose="020B0604030504040204" pitchFamily="34" charset="0"/>
+              </a:rPr>
+              <a:t>):30</a:t>
+            </a:r>
+            <a:r>
+              <a:rPr lang="zh-TW" altLang="en-US" dirty="0" smtClean="0">
+                <a:latin typeface="Verdana" panose="020B0604030504040204" pitchFamily="34" charset="0"/>
+                <a:ea typeface="Verdana" panose="020B0604030504040204" pitchFamily="34" charset="0"/>
+              </a:rPr>
+              <a:t>分</a:t>
+            </a:r>
+            <a:endParaRPr lang="en-US" altLang="zh-TW" dirty="0" smtClean="0">
+              <a:latin typeface="Verdana" panose="020B0604030504040204" pitchFamily="34" charset="0"/>
+              <a:ea typeface="Verdana" panose="020B0604030504040204" pitchFamily="34" charset="0"/>
+            </a:endParaRPr>
+          </a:p>
+          <a:p>
+            <a:pPr lvl="1"/>
+            <a:r>
+              <a:rPr lang="zh-TW" altLang="en-US" dirty="0" smtClean="0">
+                <a:latin typeface="Verdana" panose="020B0604030504040204" pitchFamily="34" charset="0"/>
+                <a:ea typeface="Verdana" panose="020B0604030504040204" pitchFamily="34" charset="0"/>
+              </a:rPr>
+              <a:t>風格</a:t>
+            </a:r>
+            <a:r>
+              <a:rPr lang="en-US" altLang="zh-TW" dirty="0" smtClean="0">
+                <a:latin typeface="Verdana" panose="020B0604030504040204" pitchFamily="34" charset="0"/>
+                <a:ea typeface="Verdana" panose="020B0604030504040204" pitchFamily="34" charset="0"/>
+              </a:rPr>
+              <a:t>:20</a:t>
+            </a:r>
+            <a:r>
+              <a:rPr lang="zh-TW" altLang="en-US" dirty="0">
+                <a:latin typeface="Verdana" panose="020B0604030504040204" pitchFamily="34" charset="0"/>
+                <a:ea typeface="Verdana" panose="020B0604030504040204" pitchFamily="34" charset="0"/>
+              </a:rPr>
+              <a:t>分</a:t>
+            </a:r>
+            <a:endParaRPr lang="en-US" altLang="zh-TW" dirty="0">
+              <a:latin typeface="Verdana" panose="020B0604030504040204" pitchFamily="34" charset="0"/>
+              <a:ea typeface="Verdana" panose="020B0604030504040204" pitchFamily="34" charset="0"/>
+            </a:endParaRPr>
+          </a:p>
+          <a:p>
+            <a:r>
+              <a:rPr lang="en-US" altLang="zh-TW" dirty="0" smtClean="0"/>
+              <a:t>Bonus</a:t>
+            </a:r>
+            <a:endParaRPr lang="en-US" altLang="zh-TW" dirty="0" smtClean="0"/>
+          </a:p>
+          <a:p>
+            <a:pPr lvl="1"/>
+            <a:r>
+              <a:rPr lang="en-US" altLang="zh-TW" dirty="0" smtClean="0"/>
+              <a:t>N</a:t>
+            </a:r>
+            <a:r>
+              <a:rPr lang="en-US" altLang="zh-TW" dirty="0" smtClean="0">
+                <a:latin typeface="Verdana" panose="020B0604030504040204" pitchFamily="34" charset="0"/>
+                <a:ea typeface="Verdana" panose="020B0604030504040204" pitchFamily="34" charset="0"/>
+              </a:rPr>
+              <a:t>=20(30</a:t>
+            </a:r>
+            <a:r>
+              <a:rPr lang="zh-TW" altLang="en-US" dirty="0" smtClean="0">
+                <a:latin typeface="Verdana" panose="020B0604030504040204" pitchFamily="34" charset="0"/>
+                <a:ea typeface="Verdana" panose="020B0604030504040204" pitchFamily="34" charset="0"/>
+              </a:rPr>
+              <a:t>秒內</a:t>
+            </a:r>
+            <a:r>
+              <a:rPr lang="en-US" altLang="zh-TW" dirty="0" smtClean="0">
+                <a:latin typeface="Verdana" panose="020B0604030504040204" pitchFamily="34" charset="0"/>
+                <a:ea typeface="Verdana" panose="020B0604030504040204" pitchFamily="34" charset="0"/>
+              </a:rPr>
+              <a:t>):20</a:t>
+            </a:r>
+            <a:r>
+              <a:rPr lang="zh-TW" altLang="en-US" dirty="0" smtClean="0">
+                <a:latin typeface="Verdana" panose="020B0604030504040204" pitchFamily="34" charset="0"/>
+                <a:ea typeface="Verdana" panose="020B0604030504040204" pitchFamily="34" charset="0"/>
+              </a:rPr>
+              <a:t>分</a:t>
+            </a:r>
+            <a:endParaRPr lang="en-US" altLang="zh-TW" dirty="0" smtClean="0"/>
+          </a:p>
+          <a:p>
+            <a:pPr lvl="1"/>
+            <a:r>
               <a:rPr lang="zh-TW" altLang="en-US" dirty="0" smtClean="0"/>
-              <a:t>個皇后互不攻擊可得之最大分數。</a:t>
+              <a:t>良好</a:t>
+            </a:r>
+            <a:r>
+              <a:rPr lang="en-US" altLang="zh-TW" smtClean="0"/>
+              <a:t>UI</a:t>
             </a:r>
             <a:endParaRPr lang="en-US" altLang="zh-TW" dirty="0" smtClean="0"/>
-          </a:p>
-          <a:p>
-            <a:r>
-              <a:rPr lang="zh-TW" altLang="en-US" dirty="0" smtClean="0"/>
-              <a:t>基本要求</a:t>
-            </a:r>
-            <a:endParaRPr lang="en-US" altLang="zh-TW" dirty="0" smtClean="0"/>
-          </a:p>
-          <a:p>
-            <a:pPr lvl="1"/>
-            <a:r>
-              <a:rPr lang="zh-TW" altLang="en-US" dirty="0" smtClean="0"/>
-              <a:t>遞迴</a:t>
-            </a:r>
-            <a:endParaRPr lang="en-US" altLang="zh-TW" dirty="0" smtClean="0"/>
-          </a:p>
-          <a:p>
-            <a:pPr lvl="1"/>
-            <a:r>
-              <a:rPr lang="en-US" altLang="zh-TW" dirty="0" smtClean="0"/>
-              <a:t>N&lt;=10(75</a:t>
-            </a:r>
-            <a:r>
-              <a:rPr lang="zh-TW" altLang="en-US" dirty="0" smtClean="0"/>
-              <a:t>分</a:t>
-            </a:r>
-            <a:r>
-              <a:rPr lang="en-US" altLang="zh-TW" dirty="0" smtClean="0"/>
-              <a:t>)</a:t>
-            </a:r>
-          </a:p>
-          <a:p>
-            <a:pPr lvl="1"/>
-            <a:r>
-              <a:rPr lang="zh-TW" altLang="en-US" dirty="0" smtClean="0"/>
-              <a:t>進階版請參件附檔</a:t>
-            </a:r>
-            <a:r>
-              <a:rPr lang="en-US" altLang="zh-TW" dirty="0" smtClean="0"/>
-              <a:t>:</a:t>
-            </a:r>
-            <a:r>
-              <a:rPr lang="zh-TW" altLang="en-US" dirty="0" smtClean="0"/>
-              <a:t>   </a:t>
-            </a:r>
-            <a:r>
-              <a:rPr lang="en-US" altLang="zh-TW" dirty="0" smtClean="0"/>
-              <a:t>(15</a:t>
-            </a:r>
-            <a:r>
-              <a:rPr lang="zh-TW" altLang="en-US" dirty="0" smtClean="0"/>
-              <a:t>分</a:t>
-            </a:r>
-            <a:r>
-              <a:rPr lang="en-US" altLang="zh-TW" dirty="0" smtClean="0"/>
-              <a:t>)</a:t>
-            </a:r>
-          </a:p>
-          <a:p>
-            <a:pPr lvl="1"/>
-            <a:r>
-              <a:rPr lang="zh-TW" altLang="en-US" dirty="0" smtClean="0"/>
-              <a:t>程式風格</a:t>
-            </a:r>
-            <a:r>
-              <a:rPr lang="en-US" altLang="zh-TW" dirty="0" smtClean="0"/>
-              <a:t>(10</a:t>
-            </a:r>
-            <a:r>
-              <a:rPr lang="zh-TW" altLang="en-US" dirty="0" smtClean="0"/>
-              <a:t>分</a:t>
-            </a:r>
-            <a:r>
-              <a:rPr lang="en-US" altLang="zh-TW" dirty="0" smtClean="0"/>
-              <a:t>)</a:t>
-            </a:r>
-          </a:p>
-          <a:p>
-            <a:pPr marL="457200" lvl="1" indent="0">
-              <a:buNone/>
-            </a:pPr>
-            <a:r>
-              <a:rPr lang="en-US" altLang="zh-TW" dirty="0" smtClean="0">
-                <a:solidFill>
-                  <a:srgbClr val="FF0000"/>
-                </a:solidFill>
-              </a:rPr>
-              <a:t>PS:</a:t>
-            </a:r>
-            <a:r>
-              <a:rPr lang="zh-TW" altLang="en-US" dirty="0" smtClean="0">
-                <a:solidFill>
-                  <a:srgbClr val="FF0000"/>
-                </a:solidFill>
-              </a:rPr>
-              <a:t>如要繳交進階版同學，請繳交兩份程式碼。</a:t>
-            </a:r>
-            <a:endParaRPr lang="en-US" altLang="zh-TW" dirty="0" smtClean="0">
-              <a:solidFill>
-                <a:srgbClr val="FF0000"/>
-              </a:solidFill>
-            </a:endParaRPr>
           </a:p>
         </p:txBody>
       </p:sp>
